--- a/06 - Fall '24/COSC350/03 - Powerpoints/CH 21 IP_Protocol_Addresses.pptx
+++ b/06 - Fall '24/COSC350/03 - Powerpoints/CH 21 IP_Protocol_Addresses.pptx
@@ -11691,7 +11691,7 @@
         </p:blipFill>
         <p:spPr bwMode="auto">
           <a:xfrm>
-            <a:off x="1447800" y="2362200"/>
+            <a:off x="1447800" y="2632668"/>
             <a:ext cx="5715000" cy="4102100"/>
           </a:xfrm>
           <a:prstGeom prst="rect">
